--- a/articles/201508/figure-20150813.pptx
+++ b/articles/201508/figure-20150813.pptx
@@ -105,6 +105,11 @@
       </a:defRPr>
     </a:lvl9pPr>
   </p:defaultTextStyle>
+  <p:extLst>
+    <p:ext uri="{EFAFB233-063F-42B5-8137-9DF3F51BA10A}">
+      <p15:sldGuideLst xmlns:p15="http://schemas.microsoft.com/office/powerpoint/2012/main"/>
+    </p:ext>
+  </p:extLst>
 </p:presentation>
 </file>
 
@@ -239,7 +244,7 @@
           <a:p>
             <a:fld id="{74675E8D-087A-4365-8A99-06FB6DFB5FA7}" type="datetimeFigureOut">
               <a:rPr kumimoji="1" lang="ja-JP" altLang="en-US" smtClean="0"/>
-              <a:t>2015/8/21</a:t>
+              <a:t>2015/8/22</a:t>
             </a:fld>
             <a:endParaRPr kumimoji="1" lang="ja-JP" altLang="en-US"/>
           </a:p>
@@ -441,7 +446,7 @@
           <a:p>
             <a:fld id="{74675E8D-087A-4365-8A99-06FB6DFB5FA7}" type="datetimeFigureOut">
               <a:rPr kumimoji="1" lang="ja-JP" altLang="en-US" smtClean="0"/>
-              <a:t>2015/8/21</a:t>
+              <a:t>2015/8/22</a:t>
             </a:fld>
             <a:endParaRPr kumimoji="1" lang="ja-JP" altLang="en-US"/>
           </a:p>
@@ -653,7 +658,7 @@
           <a:p>
             <a:fld id="{74675E8D-087A-4365-8A99-06FB6DFB5FA7}" type="datetimeFigureOut">
               <a:rPr kumimoji="1" lang="ja-JP" altLang="en-US" smtClean="0"/>
-              <a:t>2015/8/21</a:t>
+              <a:t>2015/8/22</a:t>
             </a:fld>
             <a:endParaRPr kumimoji="1" lang="ja-JP" altLang="en-US"/>
           </a:p>
@@ -855,7 +860,7 @@
           <a:p>
             <a:fld id="{74675E8D-087A-4365-8A99-06FB6DFB5FA7}" type="datetimeFigureOut">
               <a:rPr kumimoji="1" lang="ja-JP" altLang="en-US" smtClean="0"/>
-              <a:t>2015/8/21</a:t>
+              <a:t>2015/8/22</a:t>
             </a:fld>
             <a:endParaRPr kumimoji="1" lang="ja-JP" altLang="en-US"/>
           </a:p>
@@ -1101,7 +1106,7 @@
           <a:p>
             <a:fld id="{74675E8D-087A-4365-8A99-06FB6DFB5FA7}" type="datetimeFigureOut">
               <a:rPr kumimoji="1" lang="ja-JP" altLang="en-US" smtClean="0"/>
-              <a:t>2015/8/21</a:t>
+              <a:t>2015/8/22</a:t>
             </a:fld>
             <a:endParaRPr kumimoji="1" lang="ja-JP" altLang="en-US"/>
           </a:p>
@@ -1397,7 +1402,7 @@
           <a:p>
             <a:fld id="{74675E8D-087A-4365-8A99-06FB6DFB5FA7}" type="datetimeFigureOut">
               <a:rPr kumimoji="1" lang="ja-JP" altLang="en-US" smtClean="0"/>
-              <a:t>2015/8/21</a:t>
+              <a:t>2015/8/22</a:t>
             </a:fld>
             <a:endParaRPr kumimoji="1" lang="ja-JP" altLang="en-US"/>
           </a:p>
@@ -1828,7 +1833,7 @@
           <a:p>
             <a:fld id="{74675E8D-087A-4365-8A99-06FB6DFB5FA7}" type="datetimeFigureOut">
               <a:rPr kumimoji="1" lang="ja-JP" altLang="en-US" smtClean="0"/>
-              <a:t>2015/8/21</a:t>
+              <a:t>2015/8/22</a:t>
             </a:fld>
             <a:endParaRPr kumimoji="1" lang="ja-JP" altLang="en-US"/>
           </a:p>
@@ -1946,7 +1951,7 @@
           <a:p>
             <a:fld id="{74675E8D-087A-4365-8A99-06FB6DFB5FA7}" type="datetimeFigureOut">
               <a:rPr kumimoji="1" lang="ja-JP" altLang="en-US" smtClean="0"/>
-              <a:t>2015/8/21</a:t>
+              <a:t>2015/8/22</a:t>
             </a:fld>
             <a:endParaRPr kumimoji="1" lang="ja-JP" altLang="en-US"/>
           </a:p>
@@ -2041,7 +2046,7 @@
           <a:p>
             <a:fld id="{74675E8D-087A-4365-8A99-06FB6DFB5FA7}" type="datetimeFigureOut">
               <a:rPr kumimoji="1" lang="ja-JP" altLang="en-US" smtClean="0"/>
-              <a:t>2015/8/21</a:t>
+              <a:t>2015/8/22</a:t>
             </a:fld>
             <a:endParaRPr kumimoji="1" lang="ja-JP" altLang="en-US"/>
           </a:p>
@@ -2350,7 +2355,7 @@
           <a:p>
             <a:fld id="{74675E8D-087A-4365-8A99-06FB6DFB5FA7}" type="datetimeFigureOut">
               <a:rPr kumimoji="1" lang="ja-JP" altLang="en-US" smtClean="0"/>
-              <a:t>2015/8/21</a:t>
+              <a:t>2015/8/22</a:t>
             </a:fld>
             <a:endParaRPr kumimoji="1" lang="ja-JP" altLang="en-US"/>
           </a:p>
@@ -2603,7 +2608,7 @@
           <a:p>
             <a:fld id="{74675E8D-087A-4365-8A99-06FB6DFB5FA7}" type="datetimeFigureOut">
               <a:rPr kumimoji="1" lang="ja-JP" altLang="en-US" smtClean="0"/>
-              <a:t>2015/8/21</a:t>
+              <a:t>2015/8/22</a:t>
             </a:fld>
             <a:endParaRPr kumimoji="1" lang="ja-JP" altLang="en-US"/>
           </a:p>
@@ -2848,7 +2853,7 @@
           <a:p>
             <a:fld id="{74675E8D-087A-4365-8A99-06FB6DFB5FA7}" type="datetimeFigureOut">
               <a:rPr kumimoji="1" lang="ja-JP" altLang="en-US" smtClean="0"/>
-              <a:t>2015/8/21</a:t>
+              <a:t>2015/8/22</a:t>
             </a:fld>
             <a:endParaRPr kumimoji="1" lang="ja-JP" altLang="en-US"/>
           </a:p>
@@ -3645,7 +3650,7 @@
                 <a:ea typeface="メイリオ" panose="020B0604030504040204" pitchFamily="50" charset="-128"/>
                 <a:cs typeface="メイリオ" panose="020B0604030504040204" pitchFamily="50" charset="-128"/>
               </a:rPr>
-              <a:t>古典的交戦追跡法</a:t>
+              <a:t>古典的光線追跡法</a:t>
             </a:r>
             <a:endParaRPr kumimoji="1" lang="ja-JP" altLang="en-US" sz="1400" b="1" dirty="0">
               <a:latin typeface="メイリオ" panose="020B0604030504040204" pitchFamily="50" charset="-128"/>

--- a/articles/201508/figure-20150813.pptx
+++ b/articles/201508/figure-20150813.pptx
@@ -7,6 +7,7 @@
   <p:sldIdLst>
     <p:sldId id="256" r:id="rId2"/>
     <p:sldId id="257" r:id="rId3"/>
+    <p:sldId id="258" r:id="rId4"/>
   </p:sldIdLst>
   <p:sldSz cx="12192000" cy="6858000"/>
   <p:notesSz cx="6858000" cy="9144000"/>
@@ -239,7 +240,7 @@
           <a:p>
             <a:fld id="{74675E8D-087A-4365-8A99-06FB6DFB5FA7}" type="datetimeFigureOut">
               <a:rPr kumimoji="1" lang="ja-JP" altLang="en-US" smtClean="0"/>
-              <a:t>2015/8/21</a:t>
+              <a:t>8/22/15</a:t>
             </a:fld>
             <a:endParaRPr kumimoji="1" lang="ja-JP" altLang="en-US"/>
           </a:p>
@@ -441,7 +442,7 @@
           <a:p>
             <a:fld id="{74675E8D-087A-4365-8A99-06FB6DFB5FA7}" type="datetimeFigureOut">
               <a:rPr kumimoji="1" lang="ja-JP" altLang="en-US" smtClean="0"/>
-              <a:t>2015/8/21</a:t>
+              <a:t>8/22/15</a:t>
             </a:fld>
             <a:endParaRPr kumimoji="1" lang="ja-JP" altLang="en-US"/>
           </a:p>
@@ -653,7 +654,7 @@
           <a:p>
             <a:fld id="{74675E8D-087A-4365-8A99-06FB6DFB5FA7}" type="datetimeFigureOut">
               <a:rPr kumimoji="1" lang="ja-JP" altLang="en-US" smtClean="0"/>
-              <a:t>2015/8/21</a:t>
+              <a:t>8/22/15</a:t>
             </a:fld>
             <a:endParaRPr kumimoji="1" lang="ja-JP" altLang="en-US"/>
           </a:p>
@@ -855,7 +856,7 @@
           <a:p>
             <a:fld id="{74675E8D-087A-4365-8A99-06FB6DFB5FA7}" type="datetimeFigureOut">
               <a:rPr kumimoji="1" lang="ja-JP" altLang="en-US" smtClean="0"/>
-              <a:t>2015/8/21</a:t>
+              <a:t>8/22/15</a:t>
             </a:fld>
             <a:endParaRPr kumimoji="1" lang="ja-JP" altLang="en-US"/>
           </a:p>
@@ -1101,7 +1102,7 @@
           <a:p>
             <a:fld id="{74675E8D-087A-4365-8A99-06FB6DFB5FA7}" type="datetimeFigureOut">
               <a:rPr kumimoji="1" lang="ja-JP" altLang="en-US" smtClean="0"/>
-              <a:t>2015/8/21</a:t>
+              <a:t>8/22/15</a:t>
             </a:fld>
             <a:endParaRPr kumimoji="1" lang="ja-JP" altLang="en-US"/>
           </a:p>
@@ -1397,7 +1398,7 @@
           <a:p>
             <a:fld id="{74675E8D-087A-4365-8A99-06FB6DFB5FA7}" type="datetimeFigureOut">
               <a:rPr kumimoji="1" lang="ja-JP" altLang="en-US" smtClean="0"/>
-              <a:t>2015/8/21</a:t>
+              <a:t>8/22/15</a:t>
             </a:fld>
             <a:endParaRPr kumimoji="1" lang="ja-JP" altLang="en-US"/>
           </a:p>
@@ -1828,7 +1829,7 @@
           <a:p>
             <a:fld id="{74675E8D-087A-4365-8A99-06FB6DFB5FA7}" type="datetimeFigureOut">
               <a:rPr kumimoji="1" lang="ja-JP" altLang="en-US" smtClean="0"/>
-              <a:t>2015/8/21</a:t>
+              <a:t>8/22/15</a:t>
             </a:fld>
             <a:endParaRPr kumimoji="1" lang="ja-JP" altLang="en-US"/>
           </a:p>
@@ -1946,7 +1947,7 @@
           <a:p>
             <a:fld id="{74675E8D-087A-4365-8A99-06FB6DFB5FA7}" type="datetimeFigureOut">
               <a:rPr kumimoji="1" lang="ja-JP" altLang="en-US" smtClean="0"/>
-              <a:t>2015/8/21</a:t>
+              <a:t>8/22/15</a:t>
             </a:fld>
             <a:endParaRPr kumimoji="1" lang="ja-JP" altLang="en-US"/>
           </a:p>
@@ -2041,7 +2042,7 @@
           <a:p>
             <a:fld id="{74675E8D-087A-4365-8A99-06FB6DFB5FA7}" type="datetimeFigureOut">
               <a:rPr kumimoji="1" lang="ja-JP" altLang="en-US" smtClean="0"/>
-              <a:t>2015/8/21</a:t>
+              <a:t>8/22/15</a:t>
             </a:fld>
             <a:endParaRPr kumimoji="1" lang="ja-JP" altLang="en-US"/>
           </a:p>
@@ -2350,7 +2351,7 @@
           <a:p>
             <a:fld id="{74675E8D-087A-4365-8A99-06FB6DFB5FA7}" type="datetimeFigureOut">
               <a:rPr kumimoji="1" lang="ja-JP" altLang="en-US" smtClean="0"/>
-              <a:t>2015/8/21</a:t>
+              <a:t>8/22/15</a:t>
             </a:fld>
             <a:endParaRPr kumimoji="1" lang="ja-JP" altLang="en-US"/>
           </a:p>
@@ -2603,7 +2604,7 @@
           <a:p>
             <a:fld id="{74675E8D-087A-4365-8A99-06FB6DFB5FA7}" type="datetimeFigureOut">
               <a:rPr kumimoji="1" lang="ja-JP" altLang="en-US" smtClean="0"/>
-              <a:t>2015/8/21</a:t>
+              <a:t>8/22/15</a:t>
             </a:fld>
             <a:endParaRPr kumimoji="1" lang="ja-JP" altLang="en-US"/>
           </a:p>
@@ -2848,7 +2849,7 @@
           <a:p>
             <a:fld id="{74675E8D-087A-4365-8A99-06FB6DFB5FA7}" type="datetimeFigureOut">
               <a:rPr kumimoji="1" lang="ja-JP" altLang="en-US" smtClean="0"/>
-              <a:t>2015/8/21</a:t>
+              <a:t>8/22/15</a:t>
             </a:fld>
             <a:endParaRPr kumimoji="1" lang="ja-JP" altLang="en-US"/>
           </a:p>
@@ -3645,7 +3646,23 @@
                 <a:ea typeface="メイリオ" panose="020B0604030504040204" pitchFamily="50" charset="-128"/>
                 <a:cs typeface="メイリオ" panose="020B0604030504040204" pitchFamily="50" charset="-128"/>
               </a:rPr>
-              <a:t>古典的交戦追跡法</a:t>
+              <a:t>古典的</a:t>
+            </a:r>
+            <a:r>
+              <a:rPr lang="ja-JP" altLang="en-US" sz="1400" b="1" dirty="0" smtClean="0">
+                <a:latin typeface="メイリオ" panose="020B0604030504040204" pitchFamily="50" charset="-128"/>
+                <a:ea typeface="メイリオ" panose="020B0604030504040204" pitchFamily="50" charset="-128"/>
+                <a:cs typeface="メイリオ" panose="020B0604030504040204" pitchFamily="50" charset="-128"/>
+              </a:rPr>
+              <a:t>光線</a:t>
+            </a:r>
+            <a:r>
+              <a:rPr lang="ja-JP" altLang="en-US" sz="1400" b="1" dirty="0" smtClean="0">
+                <a:latin typeface="メイリオ" panose="020B0604030504040204" pitchFamily="50" charset="-128"/>
+                <a:ea typeface="メイリオ" panose="020B0604030504040204" pitchFamily="50" charset="-128"/>
+                <a:cs typeface="メイリオ" panose="020B0604030504040204" pitchFamily="50" charset="-128"/>
+              </a:rPr>
+              <a:t>追跡法</a:t>
             </a:r>
             <a:endParaRPr kumimoji="1" lang="ja-JP" altLang="en-US" sz="1400" b="1" dirty="0">
               <a:latin typeface="メイリオ" panose="020B0604030504040204" pitchFamily="50" charset="-128"/>
@@ -4265,6 +4282,312 @@
     <p:extLst>
       <p:ext uri="{BB962C8B-B14F-4D97-AF65-F5344CB8AC3E}">
         <p14:creationId xmlns:p14="http://schemas.microsoft.com/office/powerpoint/2010/main" val="2472463913"/>
+      </p:ext>
+    </p:extLst>
+  </p:cSld>
+  <p:clrMapOvr>
+    <a:masterClrMapping/>
+  </p:clrMapOvr>
+</p:sld>
+</file>
+
+<file path=ppt/slides/slide3.xml><?xml version="1.0" encoding="utf-8"?>
+<p:sld xmlns:a="http://schemas.openxmlformats.org/drawingml/2006/main" xmlns:r="http://schemas.openxmlformats.org/officeDocument/2006/relationships" xmlns:p="http://schemas.openxmlformats.org/presentationml/2006/main">
+  <p:cSld>
+    <p:spTree>
+      <p:nvGrpSpPr>
+        <p:cNvPr id="1" name=""/>
+        <p:cNvGrpSpPr/>
+        <p:nvPr/>
+      </p:nvGrpSpPr>
+      <p:grpSpPr>
+        <a:xfrm>
+          <a:off x="0" y="0"/>
+          <a:ext cx="0" cy="0"/>
+          <a:chOff x="0" y="0"/>
+          <a:chExt cx="0" cy="0"/>
+        </a:xfrm>
+      </p:grpSpPr>
+      <p:pic>
+        <p:nvPicPr>
+          <p:cNvPr id="4" name="図 3"/>
+          <p:cNvPicPr>
+            <a:picLocks noChangeAspect="1"/>
+          </p:cNvPicPr>
+          <p:nvPr/>
+        </p:nvPicPr>
+        <p:blipFill>
+          <a:blip r:embed="rId2">
+            <a:extLst>
+              <a:ext uri="{28A0092B-C50C-407E-A947-70E740481C1C}">
+                <a14:useLocalDpi xmlns:a14="http://schemas.microsoft.com/office/drawing/2010/main" val="0"/>
+              </a:ext>
+            </a:extLst>
+          </a:blip>
+          <a:stretch>
+            <a:fillRect/>
+          </a:stretch>
+        </p:blipFill>
+        <p:spPr>
+          <a:xfrm>
+            <a:off x="5659326" y="789109"/>
+            <a:ext cx="2146620" cy="2146620"/>
+          </a:xfrm>
+          <a:prstGeom prst="rect">
+            <a:avLst/>
+          </a:prstGeom>
+        </p:spPr>
+      </p:pic>
+      <p:pic>
+        <p:nvPicPr>
+          <p:cNvPr id="5" name="図 4" descr="pm-out2-rt-50.png"/>
+          <p:cNvPicPr>
+            <a:picLocks noChangeAspect="1"/>
+          </p:cNvPicPr>
+          <p:nvPr/>
+        </p:nvPicPr>
+        <p:blipFill>
+          <a:blip r:embed="rId3">
+            <a:extLst>
+              <a:ext uri="{28A0092B-C50C-407E-A947-70E740481C1C}">
+                <a14:useLocalDpi xmlns:a14="http://schemas.microsoft.com/office/drawing/2010/main" val="0"/>
+              </a:ext>
+            </a:extLst>
+          </a:blip>
+          <a:stretch>
+            <a:fillRect/>
+          </a:stretch>
+        </p:blipFill>
+        <p:spPr>
+          <a:xfrm>
+            <a:off x="1092533" y="792963"/>
+            <a:ext cx="2156421" cy="2156421"/>
+          </a:xfrm>
+          <a:prstGeom prst="rect">
+            <a:avLst/>
+          </a:prstGeom>
+        </p:spPr>
+      </p:pic>
+      <p:pic>
+        <p:nvPicPr>
+          <p:cNvPr id="6" name="図 5" descr="pm-out2-rt-100.png"/>
+          <p:cNvPicPr>
+            <a:picLocks noChangeAspect="1"/>
+          </p:cNvPicPr>
+          <p:nvPr/>
+        </p:nvPicPr>
+        <p:blipFill>
+          <a:blip r:embed="rId4">
+            <a:extLst>
+              <a:ext uri="{28A0092B-C50C-407E-A947-70E740481C1C}">
+                <a14:useLocalDpi xmlns:a14="http://schemas.microsoft.com/office/drawing/2010/main" val="0"/>
+              </a:ext>
+            </a:extLst>
+          </a:blip>
+          <a:stretch>
+            <a:fillRect/>
+          </a:stretch>
+        </p:blipFill>
+        <p:spPr>
+          <a:xfrm>
+            <a:off x="3373199" y="792963"/>
+            <a:ext cx="2156421" cy="2156421"/>
+          </a:xfrm>
+          <a:prstGeom prst="rect">
+            <a:avLst/>
+          </a:prstGeom>
+        </p:spPr>
+      </p:pic>
+      <p:pic>
+        <p:nvPicPr>
+          <p:cNvPr id="7" name="図 6" descr="pm-out2-rt-300.png"/>
+          <p:cNvPicPr>
+            <a:picLocks noChangeAspect="1"/>
+          </p:cNvPicPr>
+          <p:nvPr/>
+        </p:nvPicPr>
+        <p:blipFill>
+          <a:blip r:embed="rId5">
+            <a:extLst>
+              <a:ext uri="{28A0092B-C50C-407E-A947-70E740481C1C}">
+                <a14:useLocalDpi xmlns:a14="http://schemas.microsoft.com/office/drawing/2010/main" val="0"/>
+              </a:ext>
+            </a:extLst>
+          </a:blip>
+          <a:stretch>
+            <a:fillRect/>
+          </a:stretch>
+        </p:blipFill>
+        <p:spPr>
+          <a:xfrm>
+            <a:off x="7911884" y="792964"/>
+            <a:ext cx="2153088" cy="2153088"/>
+          </a:xfrm>
+          <a:prstGeom prst="rect">
+            <a:avLst/>
+          </a:prstGeom>
+        </p:spPr>
+      </p:pic>
+      <p:sp>
+        <p:nvSpPr>
+          <p:cNvPr id="8" name="テキスト ボックス 7"/>
+          <p:cNvSpPr txBox="1"/>
+          <p:nvPr/>
+        </p:nvSpPr>
+        <p:spPr>
+          <a:xfrm>
+            <a:off x="1898278" y="2922075"/>
+            <a:ext cx="581421" cy="307777"/>
+          </a:xfrm>
+          <a:prstGeom prst="rect">
+            <a:avLst/>
+          </a:prstGeom>
+          <a:noFill/>
+        </p:spPr>
+        <p:txBody>
+          <a:bodyPr wrap="none" rtlCol="0">
+            <a:spAutoFit/>
+          </a:bodyPr>
+          <a:lstStyle/>
+          <a:p>
+            <a:r>
+              <a:rPr kumimoji="1" lang="en-US" altLang="ja-JP" sz="1400" i="1" dirty="0" smtClean="0">
+                <a:latin typeface="Book Antiqua"/>
+                <a:cs typeface="Book Antiqua"/>
+              </a:rPr>
+              <a:t>n</a:t>
+            </a:r>
+            <a:r>
+              <a:rPr kumimoji="1" lang="en-US" altLang="ja-JP" sz="1400" dirty="0" smtClean="0">
+                <a:latin typeface="Book Antiqua"/>
+                <a:cs typeface="Book Antiqua"/>
+              </a:rPr>
+              <a:t>=50</a:t>
+            </a:r>
+          </a:p>
+        </p:txBody>
+      </p:sp>
+      <p:sp>
+        <p:nvSpPr>
+          <p:cNvPr id="11" name="テキスト ボックス 10"/>
+          <p:cNvSpPr txBox="1"/>
+          <p:nvPr/>
+        </p:nvSpPr>
+        <p:spPr>
+          <a:xfrm>
+            <a:off x="4181120" y="2910620"/>
+            <a:ext cx="715235" cy="307777"/>
+          </a:xfrm>
+          <a:prstGeom prst="rect">
+            <a:avLst/>
+          </a:prstGeom>
+          <a:noFill/>
+        </p:spPr>
+        <p:txBody>
+          <a:bodyPr wrap="none" rtlCol="0">
+            <a:spAutoFit/>
+          </a:bodyPr>
+          <a:lstStyle/>
+          <a:p>
+            <a:r>
+              <a:rPr kumimoji="1" lang="en-US" altLang="ja-JP" sz="1400" i="1" dirty="0" smtClean="0">
+                <a:latin typeface="Book Antiqua"/>
+                <a:cs typeface="Book Antiqua"/>
+              </a:rPr>
+              <a:t>N</a:t>
+            </a:r>
+            <a:r>
+              <a:rPr kumimoji="1" lang="en-US" altLang="ja-JP" sz="1400" dirty="0" smtClean="0">
+                <a:latin typeface="Book Antiqua"/>
+                <a:cs typeface="Book Antiqua"/>
+              </a:rPr>
+              <a:t>=100</a:t>
+            </a:r>
+          </a:p>
+        </p:txBody>
+      </p:sp>
+      <p:sp>
+        <p:nvSpPr>
+          <p:cNvPr id="12" name="テキスト ボックス 11"/>
+          <p:cNvSpPr txBox="1"/>
+          <p:nvPr/>
+        </p:nvSpPr>
+        <p:spPr>
+          <a:xfrm>
+            <a:off x="6448129" y="2910621"/>
+            <a:ext cx="715235" cy="307777"/>
+          </a:xfrm>
+          <a:prstGeom prst="rect">
+            <a:avLst/>
+          </a:prstGeom>
+          <a:noFill/>
+        </p:spPr>
+        <p:txBody>
+          <a:bodyPr wrap="none" rtlCol="0">
+            <a:spAutoFit/>
+          </a:bodyPr>
+          <a:lstStyle/>
+          <a:p>
+            <a:r>
+              <a:rPr kumimoji="1" lang="en-US" altLang="ja-JP" sz="1400" i="1" dirty="0" smtClean="0">
+                <a:latin typeface="Book Antiqua"/>
+                <a:cs typeface="Book Antiqua"/>
+              </a:rPr>
+              <a:t>N</a:t>
+            </a:r>
+            <a:r>
+              <a:rPr kumimoji="1" lang="en-US" altLang="ja-JP" sz="1400" dirty="0" smtClean="0">
+                <a:latin typeface="Book Antiqua"/>
+                <a:cs typeface="Book Antiqua"/>
+              </a:rPr>
+              <a:t>=200</a:t>
+            </a:r>
+          </a:p>
+        </p:txBody>
+      </p:sp>
+      <p:sp>
+        <p:nvSpPr>
+          <p:cNvPr id="13" name="テキスト ボックス 12"/>
+          <p:cNvSpPr txBox="1"/>
+          <p:nvPr/>
+        </p:nvSpPr>
+        <p:spPr>
+          <a:xfrm>
+            <a:off x="8633197" y="2910620"/>
+            <a:ext cx="715235" cy="307777"/>
+          </a:xfrm>
+          <a:prstGeom prst="rect">
+            <a:avLst/>
+          </a:prstGeom>
+          <a:noFill/>
+        </p:spPr>
+        <p:txBody>
+          <a:bodyPr wrap="none" rtlCol="0">
+            <a:spAutoFit/>
+          </a:bodyPr>
+          <a:lstStyle/>
+          <a:p>
+            <a:r>
+              <a:rPr kumimoji="1" lang="en-US" altLang="ja-JP" sz="1400" i="1" dirty="0" smtClean="0">
+                <a:latin typeface="Book Antiqua"/>
+                <a:cs typeface="Book Antiqua"/>
+              </a:rPr>
+              <a:t>N</a:t>
+            </a:r>
+            <a:r>
+              <a:rPr kumimoji="1" lang="en-US" altLang="ja-JP" sz="1400" dirty="0" smtClean="0">
+                <a:latin typeface="Book Antiqua"/>
+                <a:cs typeface="Book Antiqua"/>
+              </a:rPr>
+              <a:t>=300</a:t>
+            </a:r>
+          </a:p>
+        </p:txBody>
+      </p:sp>
+    </p:spTree>
+    <p:extLst>
+      <p:ext uri="{BB962C8B-B14F-4D97-AF65-F5344CB8AC3E}">
+        <p14:creationId xmlns:p14="http://schemas.microsoft.com/office/powerpoint/2010/main" val="46865601"/>
       </p:ext>
     </p:extLst>
   </p:cSld>
@@ -4317,7 +4640,7 @@
     </a:clrScheme>
     <a:fontScheme name="Office">
       <a:majorFont>
-        <a:latin typeface="Calibri Light" panose="020F0302020204030204"/>
+        <a:latin typeface="Calibri Light"/>
         <a:ea typeface=""/>
         <a:cs typeface=""/>
         <a:font script="Jpan" typeface="ＭＳ Ｐゴシック"/>
@@ -4352,7 +4675,7 @@
         <a:font script="Geor" typeface="Sylfaen"/>
       </a:majorFont>
       <a:minorFont>
-        <a:latin typeface="Calibri" panose="020F0502020204030204"/>
+        <a:latin typeface="Calibri"/>
         <a:ea typeface=""/>
         <a:cs typeface=""/>
         <a:font script="Jpan" typeface="ＭＳ Ｐゴシック"/>
@@ -4529,7 +4852,7 @@
   <a:extraClrSchemeLst/>
   <a:extLst>
     <a:ext uri="{05A4C25C-085E-4340-85A3-A5531E510DB2}">
-      <thm15:themeFamily xmlns:thm15="http://schemas.microsoft.com/office/thememl/2012/main" name="Office Theme" id="{62F939B6-93AF-4DB8-9C6B-D6C7DFDC589F}" vid="{4A3C46E8-61CC-4603-A589-7422A47A8E4A}"/>
+      <thm15:themeFamily xmlns:thm15="http://schemas.microsoft.com/office/thememl/2012/main" xmlns="" name="Office Theme" id="{62F939B6-93AF-4DB8-9C6B-D6C7DFDC589F}" vid="{4A3C46E8-61CC-4603-A589-7422A47A8E4A}"/>
     </a:ext>
   </a:extLst>
 </a:theme>
